--- a/AI_in_Neuroradiology_Presentation.pptx
+++ b/AI_in_Neuroradiology_Presentation.pptx
@@ -138,7 +138,7 @@
 <file path=ppt/revisionInfo.xml><?xml version="1.0" encoding="utf-8"?>
 <p1510:revInfo xmlns:a="http://schemas.openxmlformats.org/drawingml/2006/main" xmlns:r="http://schemas.openxmlformats.org/officeDocument/2006/relationships" xmlns:p1510="http://schemas.microsoft.com/office/powerpoint/2015/10/main">
   <p1510:revLst>
-    <p1510:client id="{9060D82B-F9A5-483B-9CC9-0BFB972DD3EC}" v="212" dt="2023-10-05T01:58:50.522"/>
+    <p1510:client id="{9060D82B-F9A5-483B-9CC9-0BFB972DD3EC}" v="216" dt="2023-10-05T16:43:39.791"/>
   </p1510:revLst>
 </p1510:revInfo>
 </file>
@@ -148,12 +148,12 @@
   <pc:docChgLst>
     <pc:chgData name="Paulo Eduardo de Aguiar Kuriki" userId="c01f5e3e-d159-4dde-ac8a-2f1c0c93c172" providerId="ADAL" clId="{9060D82B-F9A5-483B-9CC9-0BFB972DD3EC}"/>
     <pc:docChg chg="undo custSel addSld delSld modSld sldOrd modMainMaster">
-      <pc:chgData name="Paulo Eduardo de Aguiar Kuriki" userId="c01f5e3e-d159-4dde-ac8a-2f1c0c93c172" providerId="ADAL" clId="{9060D82B-F9A5-483B-9CC9-0BFB972DD3EC}" dt="2023-10-05T01:58:50.522" v="2725"/>
+      <pc:chgData name="Paulo Eduardo de Aguiar Kuriki" userId="c01f5e3e-d159-4dde-ac8a-2f1c0c93c172" providerId="ADAL" clId="{9060D82B-F9A5-483B-9CC9-0BFB972DD3EC}" dt="2023-10-05T16:53:32.499" v="2737" actId="20577"/>
       <pc:docMkLst>
         <pc:docMk/>
       </pc:docMkLst>
       <pc:sldChg chg="addSp delSp modSp new mod setBg addAnim modAnim">
-        <pc:chgData name="Paulo Eduardo de Aguiar Kuriki" userId="c01f5e3e-d159-4dde-ac8a-2f1c0c93c172" providerId="ADAL" clId="{9060D82B-F9A5-483B-9CC9-0BFB972DD3EC}" dt="2023-10-05T00:35:44.725" v="2532"/>
+        <pc:chgData name="Paulo Eduardo de Aguiar Kuriki" userId="c01f5e3e-d159-4dde-ac8a-2f1c0c93c172" providerId="ADAL" clId="{9060D82B-F9A5-483B-9CC9-0BFB972DD3EC}" dt="2023-10-05T16:53:32.499" v="2737" actId="20577"/>
         <pc:sldMkLst>
           <pc:docMk/>
           <pc:sldMk cId="2190683714" sldId="256"/>
@@ -191,7 +191,7 @@
           </ac:spMkLst>
         </pc:spChg>
         <pc:spChg chg="add mod">
-          <ac:chgData name="Paulo Eduardo de Aguiar Kuriki" userId="c01f5e3e-d159-4dde-ac8a-2f1c0c93c172" providerId="ADAL" clId="{9060D82B-F9A5-483B-9CC9-0BFB972DD3EC}" dt="2023-10-04T23:41:18.090" v="2505" actId="1076"/>
+          <ac:chgData name="Paulo Eduardo de Aguiar Kuriki" userId="c01f5e3e-d159-4dde-ac8a-2f1c0c93c172" providerId="ADAL" clId="{9060D82B-F9A5-483B-9CC9-0BFB972DD3EC}" dt="2023-10-05T16:53:32.499" v="2737" actId="20577"/>
           <ac:spMkLst>
             <pc:docMk/>
             <pc:sldMk cId="2190683714" sldId="256"/>
@@ -589,7 +589,7 @@
         </pc:picChg>
       </pc:sldChg>
       <pc:sldChg chg="addSp delSp modSp add del mod modClrScheme chgLayout">
-        <pc:chgData name="Paulo Eduardo de Aguiar Kuriki" userId="c01f5e3e-d159-4dde-ac8a-2f1c0c93c172" providerId="ADAL" clId="{9060D82B-F9A5-483B-9CC9-0BFB972DD3EC}" dt="2023-10-04T23:43:07.111" v="2528" actId="207"/>
+        <pc:chgData name="Paulo Eduardo de Aguiar Kuriki" userId="c01f5e3e-d159-4dde-ac8a-2f1c0c93c172" providerId="ADAL" clId="{9060D82B-F9A5-483B-9CC9-0BFB972DD3EC}" dt="2023-10-05T16:43:29.078" v="2731"/>
         <pc:sldMkLst>
           <pc:docMk/>
           <pc:sldMk cId="3904256654" sldId="260"/>
@@ -635,7 +635,7 @@
           </ac:spMkLst>
         </pc:spChg>
         <pc:spChg chg="add mod">
-          <ac:chgData name="Paulo Eduardo de Aguiar Kuriki" userId="c01f5e3e-d159-4dde-ac8a-2f1c0c93c172" providerId="ADAL" clId="{9060D82B-F9A5-483B-9CC9-0BFB972DD3EC}" dt="2023-10-04T23:39:11.240" v="2489"/>
+          <ac:chgData name="Paulo Eduardo de Aguiar Kuriki" userId="c01f5e3e-d159-4dde-ac8a-2f1c0c93c172" providerId="ADAL" clId="{9060D82B-F9A5-483B-9CC9-0BFB972DD3EC}" dt="2023-10-05T16:43:29.078" v="2731"/>
           <ac:spMkLst>
             <pc:docMk/>
             <pc:sldMk cId="3904256654" sldId="260"/>
@@ -668,7 +668,7 @@
         </pc:graphicFrameChg>
       </pc:sldChg>
       <pc:sldChg chg="addSp delSp modSp add del mod ord modClrScheme chgLayout">
-        <pc:chgData name="Paulo Eduardo de Aguiar Kuriki" userId="c01f5e3e-d159-4dde-ac8a-2f1c0c93c172" providerId="ADAL" clId="{9060D82B-F9A5-483B-9CC9-0BFB972DD3EC}" dt="2023-10-04T23:39:11.240" v="2489"/>
+        <pc:chgData name="Paulo Eduardo de Aguiar Kuriki" userId="c01f5e3e-d159-4dde-ac8a-2f1c0c93c172" providerId="ADAL" clId="{9060D82B-F9A5-483B-9CC9-0BFB972DD3EC}" dt="2023-10-05T16:43:35.780" v="2733" actId="20577"/>
         <pc:sldMkLst>
           <pc:docMk/>
           <pc:sldMk cId="2011489635" sldId="261"/>
@@ -714,7 +714,7 @@
           </ac:spMkLst>
         </pc:spChg>
         <pc:spChg chg="add mod">
-          <ac:chgData name="Paulo Eduardo de Aguiar Kuriki" userId="c01f5e3e-d159-4dde-ac8a-2f1c0c93c172" providerId="ADAL" clId="{9060D82B-F9A5-483B-9CC9-0BFB972DD3EC}" dt="2023-10-04T23:39:11.240" v="2489"/>
+          <ac:chgData name="Paulo Eduardo de Aguiar Kuriki" userId="c01f5e3e-d159-4dde-ac8a-2f1c0c93c172" providerId="ADAL" clId="{9060D82B-F9A5-483B-9CC9-0BFB972DD3EC}" dt="2023-10-05T16:43:35.780" v="2733" actId="20577"/>
           <ac:spMkLst>
             <pc:docMk/>
             <pc:sldMk cId="2011489635" sldId="261"/>
@@ -793,8 +793,8 @@
           </ac:spMkLst>
         </pc:spChg>
       </pc:sldChg>
-      <pc:sldChg chg="addSp delSp modSp del mod modClrScheme chgLayout">
-        <pc:chgData name="Paulo Eduardo de Aguiar Kuriki" userId="c01f5e3e-d159-4dde-ac8a-2f1c0c93c172" providerId="ADAL" clId="{9060D82B-F9A5-483B-9CC9-0BFB972DD3EC}" dt="2023-10-05T01:25:47.504" v="2690" actId="20577"/>
+      <pc:sldChg chg="addSp modSp new mod setBg">
+        <pc:chgData name="Paulo Eduardo de Aguiar Kuriki" userId="c01f5e3e-d159-4dde-ac8a-2f1c0c93c172" providerId="ADAL" clId="{9060D82B-F9A5-483B-9CC9-0BFB972DD3EC}" dt="2023-10-04T20:54:47.270" v="2241" actId="20577"/>
         <pc:sldMkLst>
           <pc:docMk/>
           <pc:sldMk cId="3544903503" sldId="263"/>
@@ -808,7 +808,7 @@
           </ac:spMkLst>
         </pc:spChg>
         <pc:spChg chg="mod">
-          <ac:chgData name="Paulo Eduardo de Aguiar Kuriki" userId="c01f5e3e-d159-4dde-ac8a-2f1c0c93c172" providerId="ADAL" clId="{9060D82B-F9A5-483B-9CC9-0BFB972DD3EC}" dt="2023-10-04T23:40:40.573" v="2499" actId="26606"/>
+          <ac:chgData name="Paulo Eduardo de Aguiar Kuriki" userId="c01f5e3e-d159-4dde-ac8a-2f1c0c93c172" providerId="ADAL" clId="{9060D82B-F9A5-483B-9CC9-0BFB972DD3EC}" dt="2023-10-04T20:43:21.043" v="2158" actId="26606"/>
           <ac:spMkLst>
             <pc:docMk/>
             <pc:sldMk cId="3544903503" sldId="263"/>
@@ -821,61 +821,6 @@
             <pc:docMk/>
             <pc:sldMk cId="3544903503" sldId="263"/>
             <ac:spMk id="3" creationId="{00000000-0000-0000-0000-000000000000}"/>
-          </ac:spMkLst>
-        </pc:spChg>
-        <pc:spChg chg="mod">
-          <ac:chgData name="Paulo Eduardo de Aguiar Kuriki" userId="c01f5e3e-d159-4dde-ac8a-2f1c0c93c172" providerId="ADAL" clId="{9060D82B-F9A5-483B-9CC9-0BFB972DD3EC}" dt="2023-10-05T01:25:47.504" v="2690" actId="20577"/>
-          <ac:spMkLst>
-            <pc:docMk/>
-            <pc:sldMk cId="3544903503" sldId="263"/>
-            <ac:spMk id="3" creationId="{9F6B3E9C-890C-EF30-323C-55BFC99A520F}"/>
-          </ac:spMkLst>
-        </pc:spChg>
-        <pc:spChg chg="del mod">
-          <ac:chgData name="Paulo Eduardo de Aguiar Kuriki" userId="c01f5e3e-d159-4dde-ac8a-2f1c0c93c172" providerId="ADAL" clId="{9060D82B-F9A5-483B-9CC9-0BFB972DD3EC}" dt="2023-10-04T23:40:40.573" v="2499" actId="26606"/>
-          <ac:spMkLst>
-            <pc:docMk/>
-            <pc:sldMk cId="3544903503" sldId="263"/>
-            <ac:spMk id="8" creationId="{100EDD19-6802-4EC3-95CE-CFFAB042CFD6}"/>
-          </ac:spMkLst>
-        </pc:spChg>
-        <pc:spChg chg="del mod">
-          <ac:chgData name="Paulo Eduardo de Aguiar Kuriki" userId="c01f5e3e-d159-4dde-ac8a-2f1c0c93c172" providerId="ADAL" clId="{9060D82B-F9A5-483B-9CC9-0BFB972DD3EC}" dt="2023-10-04T23:40:40.573" v="2499" actId="26606"/>
-          <ac:spMkLst>
-            <pc:docMk/>
-            <pc:sldMk cId="3544903503" sldId="263"/>
-            <ac:spMk id="10" creationId="{DB17E863-922E-4C26-BD64-E8FD41D28661}"/>
-          </ac:spMkLst>
-        </pc:spChg>
-        <pc:spChg chg="add">
-          <ac:chgData name="Paulo Eduardo de Aguiar Kuriki" userId="c01f5e3e-d159-4dde-ac8a-2f1c0c93c172" providerId="ADAL" clId="{9060D82B-F9A5-483B-9CC9-0BFB972DD3EC}" dt="2023-10-04T23:40:40.573" v="2499" actId="26606"/>
-          <ac:spMkLst>
-            <pc:docMk/>
-            <pc:sldMk cId="3544903503" sldId="263"/>
-            <ac:spMk id="15" creationId="{100EDD19-6802-4EC3-95CE-CFFAB042CFD6}"/>
-          </ac:spMkLst>
-        </pc:spChg>
-        <pc:spChg chg="add">
-          <ac:chgData name="Paulo Eduardo de Aguiar Kuriki" userId="c01f5e3e-d159-4dde-ac8a-2f1c0c93c172" providerId="ADAL" clId="{9060D82B-F9A5-483B-9CC9-0BFB972DD3EC}" dt="2023-10-04T23:40:40.573" v="2499" actId="26606"/>
-          <ac:spMkLst>
-            <pc:docMk/>
-            <pc:sldMk cId="3544903503" sldId="263"/>
-            <ac:spMk id="17" creationId="{DB17E863-922E-4C26-BD64-E8FD41D28661}"/>
-          </ac:spMkLst>
-        </pc:spChg>
-      </pc:sldChg>
-      <pc:sldChg chg="addSp modSp new mod setBg">
-        <pc:chgData name="Paulo Eduardo de Aguiar Kuriki" userId="c01f5e3e-d159-4dde-ac8a-2f1c0c93c172" providerId="ADAL" clId="{9060D82B-F9A5-483B-9CC9-0BFB972DD3EC}" dt="2023-10-04T20:54:47.270" v="2241" actId="20577"/>
-        <pc:sldMkLst>
-          <pc:docMk/>
-          <pc:sldMk cId="3544903503" sldId="263"/>
-        </pc:sldMkLst>
-        <pc:spChg chg="mod">
-          <ac:chgData name="Paulo Eduardo de Aguiar Kuriki" userId="c01f5e3e-d159-4dde-ac8a-2f1c0c93c172" providerId="ADAL" clId="{9060D82B-F9A5-483B-9CC9-0BFB972DD3EC}" dt="2023-10-04T20:43:21.043" v="2158" actId="26606"/>
-          <ac:spMkLst>
-            <pc:docMk/>
-            <pc:sldMk cId="3544903503" sldId="263"/>
-            <ac:spMk id="2" creationId="{78870611-3D0B-B852-9EDF-219DEBAD501D}"/>
           </ac:spMkLst>
         </pc:spChg>
         <pc:spChg chg="mod">
@@ -902,77 +847,22 @@
             <ac:spMk id="10" creationId="{DB17E863-922E-4C26-BD64-E8FD41D28661}"/>
           </ac:spMkLst>
         </pc:spChg>
-      </pc:sldChg>
-      <pc:sldChg chg="addSp delSp modSp new mod setBg">
-        <pc:chgData name="Paulo Eduardo de Aguiar Kuriki" userId="c01f5e3e-d159-4dde-ac8a-2f1c0c93c172" providerId="ADAL" clId="{9060D82B-F9A5-483B-9CC9-0BFB972DD3EC}" dt="2023-10-04T21:46:37.341" v="2487" actId="20577"/>
-        <pc:sldMkLst>
-          <pc:docMk/>
-          <pc:sldMk cId="4094759833" sldId="264"/>
-        </pc:sldMkLst>
-        <pc:spChg chg="mod">
-          <ac:chgData name="Paulo Eduardo de Aguiar Kuriki" userId="c01f5e3e-d159-4dde-ac8a-2f1c0c93c172" providerId="ADAL" clId="{9060D82B-F9A5-483B-9CC9-0BFB972DD3EC}" dt="2023-10-04T20:43:31.418" v="2159" actId="26606"/>
+        <pc:spChg chg="add">
+          <ac:chgData name="Paulo Eduardo de Aguiar Kuriki" userId="c01f5e3e-d159-4dde-ac8a-2f1c0c93c172" providerId="ADAL" clId="{9060D82B-F9A5-483B-9CC9-0BFB972DD3EC}" dt="2023-10-04T23:40:40.573" v="2499" actId="26606"/>
           <ac:spMkLst>
             <pc:docMk/>
-            <pc:sldMk cId="4094759833" sldId="264"/>
-            <ac:spMk id="2" creationId="{555D58F5-B77F-A87D-49A8-178171BFFF04}"/>
-          </ac:spMkLst>
-        </pc:spChg>
-        <pc:spChg chg="mod">
-          <ac:chgData name="Paulo Eduardo de Aguiar Kuriki" userId="c01f5e3e-d159-4dde-ac8a-2f1c0c93c172" providerId="ADAL" clId="{9060D82B-F9A5-483B-9CC9-0BFB972DD3EC}" dt="2023-10-04T21:46:37.341" v="2487" actId="20577"/>
-          <ac:spMkLst>
-            <pc:docMk/>
-            <pc:sldMk cId="4094759833" sldId="264"/>
-            <ac:spMk id="3" creationId="{050E6950-18ED-1F70-994E-8C091F220F1A}"/>
-          </ac:spMkLst>
-        </pc:spChg>
-        <pc:spChg chg="add del mod">
-          <ac:chgData name="Paulo Eduardo de Aguiar Kuriki" userId="c01f5e3e-d159-4dde-ac8a-2f1c0c93c172" providerId="ADAL" clId="{9060D82B-F9A5-483B-9CC9-0BFB972DD3EC}" dt="2023-10-04T21:30:09.702" v="2395" actId="478"/>
-          <ac:spMkLst>
-            <pc:docMk/>
-            <pc:sldMk cId="4094759833" sldId="264"/>
-            <ac:spMk id="4" creationId="{B5CDA461-C8FE-D5AD-A81F-CC2EAD11123F}"/>
-          </ac:spMkLst>
-        </pc:spChg>
-        <pc:spChg chg="add mod">
-          <ac:chgData name="Paulo Eduardo de Aguiar Kuriki" userId="c01f5e3e-d159-4dde-ac8a-2f1c0c93c172" providerId="ADAL" clId="{9060D82B-F9A5-483B-9CC9-0BFB972DD3EC}" dt="2023-10-04T21:32:37.708" v="2449" actId="1076"/>
-          <ac:spMkLst>
-            <pc:docMk/>
-            <pc:sldMk cId="4094759833" sldId="264"/>
-            <ac:spMk id="5" creationId="{F5B385EC-CC74-2E25-BF9E-9AE3E88DAEAE}"/>
+            <pc:sldMk cId="3544903503" sldId="263"/>
+            <ac:spMk id="15" creationId="{100EDD19-6802-4EC3-95CE-CFFAB042CFD6}"/>
           </ac:spMkLst>
         </pc:spChg>
         <pc:spChg chg="add">
-          <ac:chgData name="Paulo Eduardo de Aguiar Kuriki" userId="c01f5e3e-d159-4dde-ac8a-2f1c0c93c172" providerId="ADAL" clId="{9060D82B-F9A5-483B-9CC9-0BFB972DD3EC}" dt="2023-10-04T20:43:31.418" v="2159" actId="26606"/>
+          <ac:chgData name="Paulo Eduardo de Aguiar Kuriki" userId="c01f5e3e-d159-4dde-ac8a-2f1c0c93c172" providerId="ADAL" clId="{9060D82B-F9A5-483B-9CC9-0BFB972DD3EC}" dt="2023-10-04T23:40:40.573" v="2499" actId="26606"/>
           <ac:spMkLst>
             <pc:docMk/>
-            <pc:sldMk cId="4094759833" sldId="264"/>
-            <ac:spMk id="8" creationId="{100EDD19-6802-4EC3-95CE-CFFAB042CFD6}"/>
+            <pc:sldMk cId="3544903503" sldId="263"/>
+            <ac:spMk id="17" creationId="{DB17E863-922E-4C26-BD64-E8FD41D28661}"/>
           </ac:spMkLst>
         </pc:spChg>
-        <pc:spChg chg="add">
-          <ac:chgData name="Paulo Eduardo de Aguiar Kuriki" userId="c01f5e3e-d159-4dde-ac8a-2f1c0c93c172" providerId="ADAL" clId="{9060D82B-F9A5-483B-9CC9-0BFB972DD3EC}" dt="2023-10-04T20:43:31.418" v="2159" actId="26606"/>
-          <ac:spMkLst>
-            <pc:docMk/>
-            <pc:sldMk cId="4094759833" sldId="264"/>
-            <ac:spMk id="10" creationId="{DB17E863-922E-4C26-BD64-E8FD41D28661}"/>
-          </ac:spMkLst>
-        </pc:spChg>
-        <pc:grpChg chg="add mod">
-          <ac:chgData name="Paulo Eduardo de Aguiar Kuriki" userId="c01f5e3e-d159-4dde-ac8a-2f1c0c93c172" providerId="ADAL" clId="{9060D82B-F9A5-483B-9CC9-0BFB972DD3EC}" dt="2023-10-04T21:32:37.708" v="2449" actId="1076"/>
-          <ac:grpSpMkLst>
-            <pc:docMk/>
-            <pc:sldMk cId="4094759833" sldId="264"/>
-            <ac:grpSpMk id="6" creationId="{B6491A9F-8F0E-E2D1-6982-5D75755B9EFC}"/>
-          </ac:grpSpMkLst>
-        </pc:grpChg>
-        <pc:picChg chg="add mod">
-          <ac:chgData name="Paulo Eduardo de Aguiar Kuriki" userId="c01f5e3e-d159-4dde-ac8a-2f1c0c93c172" providerId="ADAL" clId="{9060D82B-F9A5-483B-9CC9-0BFB972DD3EC}" dt="2023-10-04T21:32:37.708" v="2449" actId="1076"/>
-          <ac:picMkLst>
-            <pc:docMk/>
-            <pc:sldMk cId="4094759833" sldId="264"/>
-            <ac:picMk id="1026" creationId="{79E901C0-4768-349B-B155-AE2F7824E8F9}"/>
-          </ac:picMkLst>
-        </pc:picChg>
       </pc:sldChg>
       <pc:sldChg chg="addSp delSp modSp del mod modClrScheme chgLayout">
         <pc:chgData name="Paulo Eduardo de Aguiar Kuriki" userId="c01f5e3e-d159-4dde-ac8a-2f1c0c93c172" providerId="ADAL" clId="{9060D82B-F9A5-483B-9CC9-0BFB972DD3EC}" dt="2023-10-05T01:25:55.760" v="2697" actId="27636"/>
@@ -1010,6 +900,14 @@
             <pc:docMk/>
             <pc:sldMk cId="4094759833" sldId="264"/>
             <ac:spMk id="3" creationId="{050E6950-18ED-1F70-994E-8C091F220F1A}"/>
+          </ac:spMkLst>
+        </pc:spChg>
+        <pc:spChg chg="add del mod">
+          <ac:chgData name="Paulo Eduardo de Aguiar Kuriki" userId="c01f5e3e-d159-4dde-ac8a-2f1c0c93c172" providerId="ADAL" clId="{9060D82B-F9A5-483B-9CC9-0BFB972DD3EC}" dt="2023-10-04T21:30:09.702" v="2395" actId="478"/>
+          <ac:spMkLst>
+            <pc:docMk/>
+            <pc:sldMk cId="4094759833" sldId="264"/>
+            <ac:spMk id="4" creationId="{B5CDA461-C8FE-D5AD-A81F-CC2EAD11123F}"/>
           </ac:spMkLst>
         </pc:spChg>
         <pc:spChg chg="mod">
@@ -3782,7 +3680,7 @@
           <a:p>
             <a:fld id="{E713A224-4584-4CFF-BF85-88532A6E5DA5}" type="datetimeFigureOut">
               <a:rPr lang="pt-BR" smtClean="0"/>
-              <a:t>04/10/2023</a:t>
+              <a:t>05/10/2023</a:t>
             </a:fld>
             <a:endParaRPr lang="pt-BR"/>
           </a:p>
@@ -4313,7 +4211,7 @@
           <a:p>
             <a:fld id="{5BCAD085-E8A6-8845-BD4E-CB4CCA059FC4}" type="datetimeFigureOut">
               <a:rPr lang="en-US" smtClean="0"/>
-              <a:t>10/4/2023</a:t>
+              <a:t>10/5/2023</a:t>
             </a:fld>
             <a:endParaRPr lang="en-US"/>
           </a:p>
@@ -4481,7 +4379,7 @@
           <a:p>
             <a:fld id="{5BCAD085-E8A6-8845-BD4E-CB4CCA059FC4}" type="datetimeFigureOut">
               <a:rPr lang="en-US" smtClean="0"/>
-              <a:t>10/4/2023</a:t>
+              <a:t>10/5/2023</a:t>
             </a:fld>
             <a:endParaRPr lang="en-US"/>
           </a:p>
@@ -4659,7 +4557,7 @@
           <a:p>
             <a:fld id="{5BCAD085-E8A6-8845-BD4E-CB4CCA059FC4}" type="datetimeFigureOut">
               <a:rPr lang="en-US" smtClean="0"/>
-              <a:t>10/4/2023</a:t>
+              <a:t>10/5/2023</a:t>
             </a:fld>
             <a:endParaRPr lang="en-US"/>
           </a:p>
@@ -4827,7 +4725,7 @@
           <a:p>
             <a:fld id="{5BCAD085-E8A6-8845-BD4E-CB4CCA059FC4}" type="datetimeFigureOut">
               <a:rPr lang="en-US" smtClean="0"/>
-              <a:t>10/4/2023</a:t>
+              <a:t>10/5/2023</a:t>
             </a:fld>
             <a:endParaRPr lang="en-US"/>
           </a:p>
@@ -5072,7 +4970,7 @@
           <a:p>
             <a:fld id="{5BCAD085-E8A6-8845-BD4E-CB4CCA059FC4}" type="datetimeFigureOut">
               <a:rPr lang="en-US" smtClean="0"/>
-              <a:t>10/4/2023</a:t>
+              <a:t>10/5/2023</a:t>
             </a:fld>
             <a:endParaRPr lang="en-US"/>
           </a:p>
@@ -5357,7 +5255,7 @@
           <a:p>
             <a:fld id="{5BCAD085-E8A6-8845-BD4E-CB4CCA059FC4}" type="datetimeFigureOut">
               <a:rPr lang="en-US" smtClean="0"/>
-              <a:t>10/4/2023</a:t>
+              <a:t>10/5/2023</a:t>
             </a:fld>
             <a:endParaRPr lang="en-US"/>
           </a:p>
@@ -5776,7 +5674,7 @@
           <a:p>
             <a:fld id="{5BCAD085-E8A6-8845-BD4E-CB4CCA059FC4}" type="datetimeFigureOut">
               <a:rPr lang="en-US" smtClean="0"/>
-              <a:t>10/4/2023</a:t>
+              <a:t>10/5/2023</a:t>
             </a:fld>
             <a:endParaRPr lang="en-US"/>
           </a:p>
@@ -5893,7 +5791,7 @@
           <a:p>
             <a:fld id="{5BCAD085-E8A6-8845-BD4E-CB4CCA059FC4}" type="datetimeFigureOut">
               <a:rPr lang="en-US" smtClean="0"/>
-              <a:t>10/4/2023</a:t>
+              <a:t>10/5/2023</a:t>
             </a:fld>
             <a:endParaRPr lang="en-US"/>
           </a:p>
@@ -5988,7 +5886,7 @@
           <a:p>
             <a:fld id="{5BCAD085-E8A6-8845-BD4E-CB4CCA059FC4}" type="datetimeFigureOut">
               <a:rPr lang="en-US" smtClean="0"/>
-              <a:t>10/4/2023</a:t>
+              <a:t>10/5/2023</a:t>
             </a:fld>
             <a:endParaRPr lang="en-US"/>
           </a:p>
@@ -6263,7 +6161,7 @@
           <a:p>
             <a:fld id="{5BCAD085-E8A6-8845-BD4E-CB4CCA059FC4}" type="datetimeFigureOut">
               <a:rPr lang="en-US" smtClean="0"/>
-              <a:t>10/4/2023</a:t>
+              <a:t>10/5/2023</a:t>
             </a:fld>
             <a:endParaRPr lang="en-US"/>
           </a:p>
@@ -6515,7 +6413,7 @@
           <a:p>
             <a:fld id="{5BCAD085-E8A6-8845-BD4E-CB4CCA059FC4}" type="datetimeFigureOut">
               <a:rPr lang="en-US" smtClean="0"/>
-              <a:t>10/4/2023</a:t>
+              <a:t>10/5/2023</a:t>
             </a:fld>
             <a:endParaRPr lang="en-US"/>
           </a:p>
@@ -6726,7 +6624,7 @@
           <a:p>
             <a:fld id="{5BCAD085-E8A6-8845-BD4E-CB4CCA059FC4}" type="datetimeFigureOut">
               <a:rPr lang="en-US" smtClean="0"/>
-              <a:t>10/4/2023</a:t>
+              <a:t>10/5/2023</a:t>
             </a:fld>
             <a:endParaRPr lang="en-US"/>
           </a:p>
@@ -7781,7 +7679,7 @@
             </a:pPr>
             <a:r>
               <a:rPr lang="en-US" dirty="0"/>
-              <a:t>UTSW 11/4/2023 </a:t>
+              <a:t>UTSW 10/5/2023 </a:t>
             </a:r>
             <a:endParaRPr lang="pt-BR" dirty="0"/>
           </a:p>
@@ -10250,7 +10148,16 @@
                 </a:solidFill>
                 <a:hlinkClick r:id="rId7"/>
               </a:rPr>
-              <a:t>bit.ly/utsw-brain1</a:t>
+              <a:t>shorturl.at/</a:t>
+            </a:r>
+            <a:r>
+              <a:rPr lang="pt-BR" sz="6600" u="sng" dirty="0" err="1">
+                <a:solidFill>
+                  <a:srgbClr val="0070C0"/>
+                </a:solidFill>
+                <a:hlinkClick r:id="rId7"/>
+              </a:rPr>
+              <a:t>hpsDK</a:t>
             </a:r>
             <a:endParaRPr lang="pt-BR" sz="6600" u="sng" dirty="0">
               <a:solidFill>
@@ -12789,7 +12696,16 @@
                 </a:solidFill>
                 <a:hlinkClick r:id="rId3"/>
               </a:rPr>
-              <a:t>bit.ly/utsw-brain2</a:t>
+              <a:t>shorturl.at/</a:t>
+            </a:r>
+            <a:r>
+              <a:rPr lang="pt-BR" sz="6600" u="sng" dirty="0" err="1">
+                <a:solidFill>
+                  <a:srgbClr val="0070C0"/>
+                </a:solidFill>
+                <a:hlinkClick r:id="rId3"/>
+              </a:rPr>
+              <a:t>egkrx</a:t>
             </a:r>
             <a:endParaRPr lang="pt-BR" sz="6600" u="sng" dirty="0">
               <a:solidFill>
